--- a/courses/slides/exact_inference.pptx
+++ b/courses/slides/exact_inference.pptx
@@ -5,38 +5,39 @@
     <p:sldMasterId id="2147483648" r:id="rId1"/>
   </p:sldMasterIdLst>
   <p:notesMasterIdLst>
-    <p:notesMasterId r:id="rId31"/>
+    <p:notesMasterId r:id="rId32"/>
   </p:notesMasterIdLst>
   <p:sldIdLst>
     <p:sldId id="256" r:id="rId2"/>
     <p:sldId id="287" r:id="rId3"/>
     <p:sldId id="258" r:id="rId4"/>
-    <p:sldId id="259" r:id="rId5"/>
-    <p:sldId id="260" r:id="rId6"/>
-    <p:sldId id="261" r:id="rId7"/>
-    <p:sldId id="262" r:id="rId8"/>
-    <p:sldId id="270" r:id="rId9"/>
-    <p:sldId id="271" r:id="rId10"/>
-    <p:sldId id="272" r:id="rId11"/>
-    <p:sldId id="274" r:id="rId12"/>
-    <p:sldId id="273" r:id="rId13"/>
-    <p:sldId id="276" r:id="rId14"/>
-    <p:sldId id="277" r:id="rId15"/>
-    <p:sldId id="278" r:id="rId16"/>
-    <p:sldId id="279" r:id="rId17"/>
-    <p:sldId id="280" r:id="rId18"/>
-    <p:sldId id="275" r:id="rId19"/>
-    <p:sldId id="281" r:id="rId20"/>
-    <p:sldId id="282" r:id="rId21"/>
-    <p:sldId id="283" r:id="rId22"/>
-    <p:sldId id="284" r:id="rId23"/>
-    <p:sldId id="285" r:id="rId24"/>
-    <p:sldId id="286" r:id="rId25"/>
-    <p:sldId id="266" r:id="rId26"/>
-    <p:sldId id="267" r:id="rId27"/>
-    <p:sldId id="268" r:id="rId28"/>
-    <p:sldId id="269" r:id="rId29"/>
-    <p:sldId id="265" r:id="rId30"/>
+    <p:sldId id="260" r:id="rId5"/>
+    <p:sldId id="261" r:id="rId6"/>
+    <p:sldId id="262" r:id="rId7"/>
+    <p:sldId id="288" r:id="rId8"/>
+    <p:sldId id="289" r:id="rId9"/>
+    <p:sldId id="270" r:id="rId10"/>
+    <p:sldId id="290" r:id="rId11"/>
+    <p:sldId id="271" r:id="rId12"/>
+    <p:sldId id="272" r:id="rId13"/>
+    <p:sldId id="274" r:id="rId14"/>
+    <p:sldId id="273" r:id="rId15"/>
+    <p:sldId id="276" r:id="rId16"/>
+    <p:sldId id="277" r:id="rId17"/>
+    <p:sldId id="278" r:id="rId18"/>
+    <p:sldId id="279" r:id="rId19"/>
+    <p:sldId id="280" r:id="rId20"/>
+    <p:sldId id="275" r:id="rId21"/>
+    <p:sldId id="281" r:id="rId22"/>
+    <p:sldId id="282" r:id="rId23"/>
+    <p:sldId id="283" r:id="rId24"/>
+    <p:sldId id="284" r:id="rId25"/>
+    <p:sldId id="285" r:id="rId26"/>
+    <p:sldId id="286" r:id="rId27"/>
+    <p:sldId id="266" r:id="rId28"/>
+    <p:sldId id="267" r:id="rId29"/>
+    <p:sldId id="268" r:id="rId30"/>
+    <p:sldId id="269" r:id="rId31"/>
   </p:sldIdLst>
   <p:sldSz cx="9144000" cy="6858000" type="screen4x3"/>
   <p:notesSz cx="6858000" cy="9144000"/>
@@ -220,7 +221,7 @@
           <a:p>
             <a:fld id="{411449D9-923B-FC4F-8721-EE9B66540575}" type="datetimeFigureOut">
               <a:rPr lang="en-US" smtClean="0"/>
-              <a:t>2/16/15</a:t>
+              <a:t>2/17/15</a:t>
             </a:fld>
             <a:endParaRPr lang="en-US"/>
           </a:p>
@@ -553,7 +554,7 @@
           <a:p>
             <a:fld id="{9AAB978D-2B45-8A45-9A91-F0B9D8A8BBA1}" type="slidenum">
               <a:rPr lang="en-US" smtClean="0"/>
-              <a:t>14</a:t>
+              <a:t>16</a:t>
             </a:fld>
             <a:endParaRPr lang="en-US"/>
           </a:p>
@@ -753,7 +754,7 @@
           <a:p>
             <a:fld id="{988E1AD8-EA5B-4F44-A5B9-F6E36DE8B927}" type="datetimeFigureOut">
               <a:rPr lang="en-US" smtClean="0"/>
-              <a:t>2/16/15</a:t>
+              <a:t>2/17/15</a:t>
             </a:fld>
             <a:endParaRPr lang="en-US"/>
           </a:p>
@@ -923,7 +924,7 @@
           <a:p>
             <a:fld id="{988E1AD8-EA5B-4F44-A5B9-F6E36DE8B927}" type="datetimeFigureOut">
               <a:rPr lang="en-US" smtClean="0"/>
-              <a:t>2/16/15</a:t>
+              <a:t>2/17/15</a:t>
             </a:fld>
             <a:endParaRPr lang="en-US"/>
           </a:p>
@@ -1103,7 +1104,7 @@
           <a:p>
             <a:fld id="{988E1AD8-EA5B-4F44-A5B9-F6E36DE8B927}" type="datetimeFigureOut">
               <a:rPr lang="en-US" smtClean="0"/>
-              <a:t>2/16/15</a:t>
+              <a:t>2/17/15</a:t>
             </a:fld>
             <a:endParaRPr lang="en-US"/>
           </a:p>
@@ -1273,7 +1274,7 @@
           <a:p>
             <a:fld id="{988E1AD8-EA5B-4F44-A5B9-F6E36DE8B927}" type="datetimeFigureOut">
               <a:rPr lang="en-US" smtClean="0"/>
-              <a:t>2/16/15</a:t>
+              <a:t>2/17/15</a:t>
             </a:fld>
             <a:endParaRPr lang="en-US"/>
           </a:p>
@@ -1519,7 +1520,7 @@
           <a:p>
             <a:fld id="{988E1AD8-EA5B-4F44-A5B9-F6E36DE8B927}" type="datetimeFigureOut">
               <a:rPr lang="en-US" smtClean="0"/>
-              <a:t>2/16/15</a:t>
+              <a:t>2/17/15</a:t>
             </a:fld>
             <a:endParaRPr lang="en-US"/>
           </a:p>
@@ -1807,7 +1808,7 @@
           <a:p>
             <a:fld id="{988E1AD8-EA5B-4F44-A5B9-F6E36DE8B927}" type="datetimeFigureOut">
               <a:rPr lang="en-US" smtClean="0"/>
-              <a:t>2/16/15</a:t>
+              <a:t>2/17/15</a:t>
             </a:fld>
             <a:endParaRPr lang="en-US"/>
           </a:p>
@@ -2229,7 +2230,7 @@
           <a:p>
             <a:fld id="{988E1AD8-EA5B-4F44-A5B9-F6E36DE8B927}" type="datetimeFigureOut">
               <a:rPr lang="en-US" smtClean="0"/>
-              <a:t>2/16/15</a:t>
+              <a:t>2/17/15</a:t>
             </a:fld>
             <a:endParaRPr lang="en-US"/>
           </a:p>
@@ -2347,7 +2348,7 @@
           <a:p>
             <a:fld id="{988E1AD8-EA5B-4F44-A5B9-F6E36DE8B927}" type="datetimeFigureOut">
               <a:rPr lang="en-US" smtClean="0"/>
-              <a:t>2/16/15</a:t>
+              <a:t>2/17/15</a:t>
             </a:fld>
             <a:endParaRPr lang="en-US"/>
           </a:p>
@@ -2442,7 +2443,7 @@
           <a:p>
             <a:fld id="{988E1AD8-EA5B-4F44-A5B9-F6E36DE8B927}" type="datetimeFigureOut">
               <a:rPr lang="en-US" smtClean="0"/>
-              <a:t>2/16/15</a:t>
+              <a:t>2/17/15</a:t>
             </a:fld>
             <a:endParaRPr lang="en-US"/>
           </a:p>
@@ -2719,7 +2720,7 @@
           <a:p>
             <a:fld id="{988E1AD8-EA5B-4F44-A5B9-F6E36DE8B927}" type="datetimeFigureOut">
               <a:rPr lang="en-US" smtClean="0"/>
-              <a:t>2/16/15</a:t>
+              <a:t>2/17/15</a:t>
             </a:fld>
             <a:endParaRPr lang="en-US"/>
           </a:p>
@@ -2972,7 +2973,7 @@
           <a:p>
             <a:fld id="{988E1AD8-EA5B-4F44-A5B9-F6E36DE8B927}" type="datetimeFigureOut">
               <a:rPr lang="en-US" smtClean="0"/>
-              <a:t>2/16/15</a:t>
+              <a:t>2/17/15</a:t>
             </a:fld>
             <a:endParaRPr lang="en-US"/>
           </a:p>
@@ -3185,7 +3186,7 @@
           <a:p>
             <a:fld id="{988E1AD8-EA5B-4F44-A5B9-F6E36DE8B927}" type="datetimeFigureOut">
               <a:rPr lang="en-US" smtClean="0"/>
-              <a:t>2/16/15</a:t>
+              <a:t>2/17/15</a:t>
             </a:fld>
             <a:endParaRPr lang="en-US"/>
           </a:p>
@@ -3641,9 +3642,9 @@
       </p:grpSpPr>
       <p:sp>
         <p:nvSpPr>
-          <p:cNvPr id="2" name="Title 1"/>
-          <p:cNvSpPr>
-            <a:spLocks noGrp="1"/>
+          <p:cNvPr id="94210" name="Rectangle 2"/>
+          <p:cNvSpPr>
+            <a:spLocks noGrp="1" noChangeArrowheads="1"/>
           </p:cNvSpPr>
           <p:nvPr>
             <p:ph type="title"/>
@@ -3656,109 +3657,79 @@
           <a:p>
             <a:r>
               <a:rPr lang="en-US" dirty="0" smtClean="0"/>
-              <a:t>BP: Initial Assumptions</a:t>
-            </a:r>
-            <a:endParaRPr lang="en-US" dirty="0"/>
-          </a:p>
-        </p:txBody>
-      </p:sp>
-      <p:sp>
-        <p:nvSpPr>
-          <p:cNvPr id="3" name="Content Placeholder 2"/>
-          <p:cNvSpPr>
-            <a:spLocks noGrp="1"/>
-          </p:cNvSpPr>
-          <p:nvPr>
-            <p:ph idx="1"/>
+              <a:t>Belief Propagation: </a:t>
+            </a:r>
+            <a:r>
+              <a:rPr lang="en-US" dirty="0"/>
+              <a:t>Motivation</a:t>
+            </a:r>
+          </a:p>
+        </p:txBody>
+      </p:sp>
+      <p:sp>
+        <p:nvSpPr>
+          <p:cNvPr id="94211" name="Rectangle 3"/>
+          <p:cNvSpPr>
+            <a:spLocks noGrp="1" noChangeArrowheads="1"/>
+          </p:cNvSpPr>
+          <p:nvPr>
+            <p:ph type="body" idx="1"/>
           </p:nvPr>
         </p:nvSpPr>
         <p:spPr/>
         <p:txBody>
-          <a:bodyPr>
-            <a:normAutofit fontScale="92500"/>
-          </a:bodyPr>
-          <a:lstStyle/>
-          <a:p>
-            <a:r>
-              <a:rPr lang="en-US" dirty="0" smtClean="0"/>
-              <a:t>Pairwise MRF:</a:t>
-            </a:r>
-          </a:p>
-          <a:p>
-            <a:endParaRPr lang="en-US" dirty="0"/>
-          </a:p>
-          <a:p>
-            <a:endParaRPr lang="en-US" dirty="0" smtClean="0"/>
-          </a:p>
-          <a:p>
-            <a:endParaRPr lang="en-US" dirty="0"/>
-          </a:p>
-          <a:p>
-            <a:r>
-              <a:rPr lang="en-US" dirty="0" smtClean="0"/>
-              <a:t>One factor for each variable</a:t>
-            </a:r>
-          </a:p>
-          <a:p>
-            <a:r>
-              <a:rPr lang="en-US" dirty="0" smtClean="0"/>
-              <a:t>One factor for each edge</a:t>
-            </a:r>
-          </a:p>
-          <a:p>
-            <a:r>
-              <a:rPr lang="en-US" dirty="0" smtClean="0"/>
-              <a:t>Tree-structure</a:t>
-            </a:r>
-          </a:p>
-          <a:p>
-            <a:r>
-              <a:rPr lang="en-US" dirty="0" smtClean="0"/>
-              <a:t>Consider models with higher-order cliques later…</a:t>
-            </a:r>
-          </a:p>
-          <a:p>
-            <a:endParaRPr lang="en-US" dirty="0"/>
-          </a:p>
-          <a:p>
-            <a:endParaRPr lang="en-US" dirty="0"/>
-          </a:p>
-        </p:txBody>
-      </p:sp>
-      <p:pic>
-        <p:nvPicPr>
-          <p:cNvPr id="5" name="Picture 4" descr="latex-image-1.pdf"/>
-          <p:cNvPicPr>
-            <a:picLocks noChangeAspect="1"/>
-          </p:cNvPicPr>
-          <p:nvPr/>
-        </p:nvPicPr>
-        <p:blipFill>
-          <a:blip r:embed="rId2">
-            <a:extLst>
-              <a:ext uri="{28A0092B-C50C-407E-A947-70E740481C1C}">
-                <a14:useLocalDpi xmlns:a14="http://schemas.microsoft.com/office/drawing/2010/main" val="0"/>
-              </a:ext>
-            </a:extLst>
-          </a:blip>
-          <a:stretch>
-            <a:fillRect/>
-          </a:stretch>
-        </p:blipFill>
-        <p:spPr>
-          <a:xfrm>
-            <a:off x="658067" y="2262861"/>
-            <a:ext cx="8420100" cy="1270000"/>
-          </a:xfrm>
-          <a:prstGeom prst="rect">
-            <a:avLst/>
-          </a:prstGeom>
-        </p:spPr>
-      </p:pic>
+          <a:bodyPr/>
+          <a:lstStyle/>
+          <a:p>
+            <a:r>
+              <a:rPr lang="en-US" dirty="0"/>
+              <a:t>What if we want to compute all </a:t>
+            </a:r>
+            <a:r>
+              <a:rPr lang="en-US" dirty="0" err="1"/>
+              <a:t>marginals</a:t>
+            </a:r>
+            <a:r>
+              <a:rPr lang="en-US" dirty="0"/>
+              <a:t>, not just one?</a:t>
+            </a:r>
+          </a:p>
+          <a:p>
+            <a:r>
+              <a:rPr lang="en-US" dirty="0"/>
+              <a:t>Doing variable elimination for each one</a:t>
+            </a:r>
+            <a:br>
+              <a:rPr lang="en-US" dirty="0"/>
+            </a:br>
+            <a:r>
+              <a:rPr lang="en-US" dirty="0"/>
+              <a:t>in turn is inefficient</a:t>
+            </a:r>
+          </a:p>
+          <a:p>
+            <a:r>
+              <a:rPr lang="en-US" dirty="0"/>
+              <a:t>Solution: </a:t>
+            </a:r>
+            <a:r>
+              <a:rPr lang="en-US" dirty="0" smtClean="0"/>
+              <a:t>Belief Propagation</a:t>
+            </a:r>
+          </a:p>
+          <a:p>
+            <a:pPr lvl="1"/>
+            <a:r>
+              <a:rPr lang="en-US" dirty="0" smtClean="0"/>
+              <a:t>Same idea as Forward-backward for HMMs</a:t>
+            </a:r>
+          </a:p>
+        </p:txBody>
+      </p:sp>
     </p:spTree>
     <p:extLst>
       <p:ext uri="{BB962C8B-B14F-4D97-AF65-F5344CB8AC3E}">
-        <p14:creationId xmlns:p14="http://schemas.microsoft.com/office/powerpoint/2010/main" val="1900512333"/>
+        <p14:creationId xmlns:p14="http://schemas.microsoft.com/office/powerpoint/2010/main" val="1217463781"/>
       </p:ext>
     </p:extLst>
   </p:cSld>
@@ -3809,7 +3780,333 @@
           <a:p>
             <a:r>
               <a:rPr lang="en-US" dirty="0" smtClean="0"/>
+              <a:t>Belief Propagation</a:t>
+            </a:r>
+            <a:endParaRPr lang="en-US" dirty="0"/>
+          </a:p>
+        </p:txBody>
+      </p:sp>
+      <p:sp>
+        <p:nvSpPr>
+          <p:cNvPr id="3" name="Content Placeholder 2"/>
+          <p:cNvSpPr>
+            <a:spLocks noGrp="1"/>
+          </p:cNvSpPr>
+          <p:nvPr>
+            <p:ph idx="1"/>
+          </p:nvPr>
+        </p:nvSpPr>
+        <p:spPr>
+          <a:xfrm>
+            <a:off x="457200" y="1600200"/>
+            <a:ext cx="8229600" cy="4976968"/>
+          </a:xfrm>
+        </p:spPr>
+        <p:txBody>
+          <a:bodyPr>
+            <a:normAutofit lnSpcReduction="10000"/>
+          </a:bodyPr>
+          <a:lstStyle/>
+          <a:p>
+            <a:r>
+              <a:rPr lang="en-US" dirty="0" smtClean="0"/>
+              <a:t>Previously: Forward-backward algorithm</a:t>
+            </a:r>
+          </a:p>
+          <a:p>
+            <a:pPr lvl="1"/>
+            <a:r>
+              <a:rPr lang="en-US" dirty="0" smtClean="0"/>
+              <a:t>Exactly computes posterior </a:t>
+            </a:r>
+            <a:r>
+              <a:rPr lang="en-US" dirty="0" err="1" smtClean="0"/>
+              <a:t>marginals</a:t>
+            </a:r>
+            <a:r>
+              <a:rPr lang="en-US" dirty="0"/>
+              <a:t> </a:t>
+            </a:r>
+            <a:r>
+              <a:rPr lang="en-US" dirty="0" smtClean="0"/>
+              <a:t>P(</a:t>
+            </a:r>
+            <a:r>
+              <a:rPr lang="en-US" dirty="0" err="1" smtClean="0"/>
+              <a:t>h_i|V</a:t>
+            </a:r>
+            <a:r>
+              <a:rPr lang="en-US" dirty="0" smtClean="0"/>
+              <a:t>) for chain-structured graphical models (e.g. HMMs)</a:t>
+            </a:r>
+          </a:p>
+          <a:p>
+            <a:pPr lvl="2"/>
+            <a:r>
+              <a:rPr lang="en-US" dirty="0" smtClean="0"/>
+              <a:t>Where V are visible variables</a:t>
+            </a:r>
+          </a:p>
+          <a:p>
+            <a:pPr lvl="2"/>
+            <a:r>
+              <a:rPr lang="en-US" dirty="0" err="1" smtClean="0"/>
+              <a:t>h_i</a:t>
+            </a:r>
+            <a:r>
+              <a:rPr lang="en-US" dirty="0" smtClean="0"/>
+              <a:t> is the hidden variable at position I</a:t>
+            </a:r>
+          </a:p>
+          <a:p>
+            <a:r>
+              <a:rPr lang="en-US" dirty="0" smtClean="0"/>
+              <a:t>Now we will generalize this to arbitrary graphs</a:t>
+            </a:r>
+          </a:p>
+          <a:p>
+            <a:pPr lvl="1"/>
+            <a:r>
+              <a:rPr lang="en-US" dirty="0" smtClean="0"/>
+              <a:t>Bayesian and Markov Networks</a:t>
+            </a:r>
+          </a:p>
+          <a:p>
+            <a:pPr lvl="1"/>
+            <a:r>
+              <a:rPr lang="en-US" dirty="0" smtClean="0"/>
+              <a:t>Arbitrary graph structures (not just chains)</a:t>
+            </a:r>
+          </a:p>
+          <a:p>
+            <a:r>
+              <a:rPr lang="en-US" dirty="0" smtClean="0"/>
+              <a:t>We’ll just describe the algorithms and omit derivations (K+F book has good coverage)</a:t>
+            </a:r>
+          </a:p>
+          <a:p>
+            <a:pPr lvl="1"/>
+            <a:endParaRPr lang="en-US" dirty="0" smtClean="0"/>
+          </a:p>
+          <a:p>
+            <a:pPr lvl="1"/>
+            <a:endParaRPr lang="en-US" dirty="0" smtClean="0"/>
+          </a:p>
+        </p:txBody>
+      </p:sp>
+    </p:spTree>
+    <p:extLst>
+      <p:ext uri="{BB962C8B-B14F-4D97-AF65-F5344CB8AC3E}">
+        <p14:creationId xmlns:p14="http://schemas.microsoft.com/office/powerpoint/2010/main" val="1370820955"/>
+      </p:ext>
+    </p:extLst>
+  </p:cSld>
+  <p:clrMapOvr>
+    <a:masterClrMapping/>
+  </p:clrMapOvr>
+  <p:timing>
+    <p:tnLst>
+      <p:par>
+        <p:cTn xmlns:p14="http://schemas.microsoft.com/office/powerpoint/2010/main" id="1" dur="indefinite" restart="never" nodeType="tmRoot"/>
+      </p:par>
+    </p:tnLst>
+  </p:timing>
+</p:sld>
+</file>
+
+<file path=ppt/slides/slide12.xml><?xml version="1.0" encoding="utf-8"?>
+<p:sld xmlns:a="http://schemas.openxmlformats.org/drawingml/2006/main" xmlns:r="http://schemas.openxmlformats.org/officeDocument/2006/relationships" xmlns:p="http://schemas.openxmlformats.org/presentationml/2006/main">
+  <p:cSld>
+    <p:spTree>
+      <p:nvGrpSpPr>
+        <p:cNvPr id="1" name=""/>
+        <p:cNvGrpSpPr/>
+        <p:nvPr/>
+      </p:nvGrpSpPr>
+      <p:grpSpPr>
+        <a:xfrm>
+          <a:off x="0" y="0"/>
+          <a:ext cx="0" cy="0"/>
+          <a:chOff x="0" y="0"/>
+          <a:chExt cx="0" cy="0"/>
+        </a:xfrm>
+      </p:grpSpPr>
+      <p:sp>
+        <p:nvSpPr>
+          <p:cNvPr id="2" name="Title 1"/>
+          <p:cNvSpPr>
+            <a:spLocks noGrp="1"/>
+          </p:cNvSpPr>
+          <p:nvPr>
+            <p:ph type="title"/>
+          </p:nvPr>
+        </p:nvSpPr>
+        <p:spPr/>
+        <p:txBody>
+          <a:bodyPr/>
+          <a:lstStyle/>
+          <a:p>
+            <a:r>
+              <a:rPr lang="en-US" dirty="0" smtClean="0"/>
               <a:t>BP: Initial Assumptions</a:t>
+            </a:r>
+            <a:endParaRPr lang="en-US" dirty="0"/>
+          </a:p>
+        </p:txBody>
+      </p:sp>
+      <p:sp>
+        <p:nvSpPr>
+          <p:cNvPr id="3" name="Content Placeholder 2"/>
+          <p:cNvSpPr>
+            <a:spLocks noGrp="1"/>
+          </p:cNvSpPr>
+          <p:nvPr>
+            <p:ph idx="1"/>
+          </p:nvPr>
+        </p:nvSpPr>
+        <p:spPr>
+          <a:xfrm>
+            <a:off x="457200" y="1600200"/>
+            <a:ext cx="8229600" cy="4960688"/>
+          </a:xfrm>
+        </p:spPr>
+        <p:txBody>
+          <a:bodyPr>
+            <a:normAutofit/>
+          </a:bodyPr>
+          <a:lstStyle/>
+          <a:p>
+            <a:r>
+              <a:rPr lang="en-US" dirty="0" smtClean="0"/>
+              <a:t>Pairwise MRF:</a:t>
+            </a:r>
+          </a:p>
+          <a:p>
+            <a:endParaRPr lang="en-US" dirty="0"/>
+          </a:p>
+          <a:p>
+            <a:endParaRPr lang="en-US" dirty="0" smtClean="0"/>
+          </a:p>
+          <a:p>
+            <a:endParaRPr lang="en-US" dirty="0"/>
+          </a:p>
+          <a:p>
+            <a:r>
+              <a:rPr lang="en-US" dirty="0" smtClean="0"/>
+              <a:t>One factor for each variable</a:t>
+            </a:r>
+          </a:p>
+          <a:p>
+            <a:r>
+              <a:rPr lang="en-US" dirty="0" smtClean="0"/>
+              <a:t>One factor for each edge</a:t>
+            </a:r>
+          </a:p>
+          <a:p>
+            <a:r>
+              <a:rPr lang="en-US" dirty="0" smtClean="0"/>
+              <a:t>Tree-structure</a:t>
+            </a:r>
+          </a:p>
+          <a:p>
+            <a:r>
+              <a:rPr lang="en-US" dirty="0" smtClean="0"/>
+              <a:t>models with higher-order cliques later…</a:t>
+            </a:r>
+          </a:p>
+          <a:p>
+            <a:endParaRPr lang="en-US" dirty="0"/>
+          </a:p>
+          <a:p>
+            <a:endParaRPr lang="en-US" dirty="0"/>
+          </a:p>
+        </p:txBody>
+      </p:sp>
+      <p:pic>
+        <p:nvPicPr>
+          <p:cNvPr id="5" name="Picture 4" descr="latex-image-1.pdf"/>
+          <p:cNvPicPr>
+            <a:picLocks noChangeAspect="1"/>
+          </p:cNvPicPr>
+          <p:nvPr/>
+        </p:nvPicPr>
+        <p:blipFill>
+          <a:blip r:embed="rId2">
+            <a:extLst>
+              <a:ext uri="{28A0092B-C50C-407E-A947-70E740481C1C}">
+                <a14:useLocalDpi xmlns:a14="http://schemas.microsoft.com/office/drawing/2010/main" val="0"/>
+              </a:ext>
+            </a:extLst>
+          </a:blip>
+          <a:stretch>
+            <a:fillRect/>
+          </a:stretch>
+        </p:blipFill>
+        <p:spPr>
+          <a:xfrm>
+            <a:off x="658067" y="2393101"/>
+            <a:ext cx="8420100" cy="1270000"/>
+          </a:xfrm>
+          <a:prstGeom prst="rect">
+            <a:avLst/>
+          </a:prstGeom>
+        </p:spPr>
+      </p:pic>
+    </p:spTree>
+    <p:extLst>
+      <p:ext uri="{BB962C8B-B14F-4D97-AF65-F5344CB8AC3E}">
+        <p14:creationId xmlns:p14="http://schemas.microsoft.com/office/powerpoint/2010/main" val="1900512333"/>
+      </p:ext>
+    </p:extLst>
+  </p:cSld>
+  <p:clrMapOvr>
+    <a:masterClrMapping/>
+  </p:clrMapOvr>
+  <p:timing>
+    <p:tnLst>
+      <p:par>
+        <p:cTn xmlns:p14="http://schemas.microsoft.com/office/powerpoint/2010/main" id="1" dur="indefinite" restart="never" nodeType="tmRoot"/>
+      </p:par>
+    </p:tnLst>
+  </p:timing>
+</p:sld>
+</file>
+
+<file path=ppt/slides/slide13.xml><?xml version="1.0" encoding="utf-8"?>
+<p:sld xmlns:a="http://schemas.openxmlformats.org/drawingml/2006/main" xmlns:r="http://schemas.openxmlformats.org/officeDocument/2006/relationships" xmlns:p="http://schemas.openxmlformats.org/presentationml/2006/main">
+  <p:cSld>
+    <p:spTree>
+      <p:nvGrpSpPr>
+        <p:cNvPr id="1" name=""/>
+        <p:cNvGrpSpPr/>
+        <p:nvPr/>
+      </p:nvGrpSpPr>
+      <p:grpSpPr>
+        <a:xfrm>
+          <a:off x="0" y="0"/>
+          <a:ext cx="0" cy="0"/>
+          <a:chOff x="0" y="0"/>
+          <a:chExt cx="0" cy="0"/>
+        </a:xfrm>
+      </p:grpSpPr>
+      <p:sp>
+        <p:nvSpPr>
+          <p:cNvPr id="2" name="Title 1"/>
+          <p:cNvSpPr>
+            <a:spLocks noGrp="1"/>
+          </p:cNvSpPr>
+          <p:nvPr>
+            <p:ph type="title"/>
+          </p:nvPr>
+        </p:nvSpPr>
+        <p:spPr/>
+        <p:txBody>
+          <a:bodyPr/>
+          <a:lstStyle/>
+          <a:p>
+            <a:r>
+              <a:rPr lang="en-US" dirty="0" smtClean="0"/>
+              <a:t>Belief Propagation</a:t>
             </a:r>
             <a:endParaRPr lang="en-US" dirty="0"/>
           </a:p>
@@ -3909,7 +4206,7 @@
 </p:sld>
 </file>
 
-<file path=ppt/slides/slide12.xml><?xml version="1.0" encoding="utf-8"?>
+<file path=ppt/slides/slide14.xml><?xml version="1.0" encoding="utf-8"?>
 <p:sld xmlns:a="http://schemas.openxmlformats.org/drawingml/2006/main" xmlns:r="http://schemas.openxmlformats.org/officeDocument/2006/relationships" xmlns:p="http://schemas.openxmlformats.org/presentationml/2006/main">
   <p:cSld>
     <p:spTree>
@@ -3998,7 +4295,7 @@
 </p:sld>
 </file>
 
-<file path=ppt/slides/slide13.xml><?xml version="1.0" encoding="utf-8"?>
+<file path=ppt/slides/slide15.xml><?xml version="1.0" encoding="utf-8"?>
 <p:sld xmlns:a="http://schemas.openxmlformats.org/drawingml/2006/main" xmlns:r="http://schemas.openxmlformats.org/officeDocument/2006/relationships" xmlns:p="http://schemas.openxmlformats.org/presentationml/2006/main">
   <p:cSld>
     <p:spTree>
@@ -4195,7 +4492,7 @@
 </p:sld>
 </file>
 
-<file path=ppt/slides/slide14.xml><?xml version="1.0" encoding="utf-8"?>
+<file path=ppt/slides/slide16.xml><?xml version="1.0" encoding="utf-8"?>
 <p:sld xmlns:a="http://schemas.openxmlformats.org/drawingml/2006/main" xmlns:r="http://schemas.openxmlformats.org/officeDocument/2006/relationships" xmlns:p="http://schemas.openxmlformats.org/presentationml/2006/main">
   <p:cSld>
     <p:spTree>
@@ -4229,15 +4526,7 @@
           <a:p>
             <a:r>
               <a:rPr lang="en-US" dirty="0" smtClean="0"/>
-              <a:t>Computing the </a:t>
-            </a:r>
-            <a:r>
-              <a:rPr lang="en-US" dirty="0" smtClean="0"/>
-              <a:t>upward belief </a:t>
-            </a:r>
-            <a:r>
-              <a:rPr lang="en-US" dirty="0" smtClean="0"/>
-              <a:t>state</a:t>
+              <a:t>Computing the upward belief state</a:t>
             </a:r>
             <a:endParaRPr lang="en-US" dirty="0"/>
           </a:p>
@@ -4334,7 +4623,7 @@
 </p:sld>
 </file>
 
-<file path=ppt/slides/slide15.xml><?xml version="1.0" encoding="utf-8"?>
+<file path=ppt/slides/slide17.xml><?xml version="1.0" encoding="utf-8"?>
 <p:sld xmlns:a="http://schemas.openxmlformats.org/drawingml/2006/main" xmlns:r="http://schemas.openxmlformats.org/officeDocument/2006/relationships" xmlns:p="http://schemas.openxmlformats.org/presentationml/2006/main">
   <p:cSld>
     <p:spTree>
@@ -4370,15 +4659,7 @@
           <a:p>
             <a:r>
               <a:rPr lang="en-US" dirty="0" smtClean="0"/>
-              <a:t>Q: how to compute </a:t>
-            </a:r>
-            <a:r>
-              <a:rPr lang="en-US" dirty="0" smtClean="0"/>
-              <a:t>upward messages</a:t>
-            </a:r>
-            <a:r>
-              <a:rPr lang="en-US" dirty="0" smtClean="0"/>
-              <a:t>?</a:t>
+              <a:t>Q: how to compute upward messages?</a:t>
             </a:r>
             <a:endParaRPr lang="en-US" dirty="0"/>
           </a:p>
@@ -4406,40 +4687,11 @@
           <a:p>
             <a:r>
               <a:rPr lang="en-US" dirty="0" smtClean="0"/>
-              <a:t>Assume we have computed belief states of </a:t>
-            </a:r>
-            <a:r>
-              <a:rPr lang="en-US" dirty="0" smtClean="0"/>
-              <a:t>children, then message is:</a:t>
-            </a:r>
-            <a:endParaRPr lang="en-US" dirty="0" smtClean="0"/>
-          </a:p>
-        </p:txBody>
-      </p:sp>
-      <p:pic>
-        <p:nvPicPr>
-          <p:cNvPr id="4" name="Picture 3"/>
-          <p:cNvPicPr>
-            <a:picLocks noChangeAspect="1"/>
-          </p:cNvPicPr>
-          <p:nvPr/>
-        </p:nvPicPr>
-        <p:blipFill>
-          <a:blip r:embed="rId2"/>
-          <a:stretch>
-            <a:fillRect/>
-          </a:stretch>
-        </p:blipFill>
-        <p:spPr>
-          <a:xfrm>
-            <a:off x="1355649" y="2940600"/>
-            <a:ext cx="6159500" cy="1016000"/>
-          </a:xfrm>
-          <a:prstGeom prst="rect">
-            <a:avLst/>
-          </a:prstGeom>
-        </p:spPr>
-      </p:pic>
+              <a:t>Assume we have computed belief states of children, then message is:</a:t>
+            </a:r>
+          </a:p>
+        </p:txBody>
+      </p:sp>
       <p:sp>
         <p:nvSpPr>
           <p:cNvPr id="5" name="Content Placeholder 2"/>
@@ -4611,10 +4863,33 @@
               <a:rPr lang="en-US" dirty="0" smtClean="0"/>
               <a:t> about parent (t) by using the edge potential</a:t>
             </a:r>
-            <a:endParaRPr lang="en-US" dirty="0" smtClean="0"/>
-          </a:p>
-        </p:txBody>
-      </p:sp>
+          </a:p>
+        </p:txBody>
+      </p:sp>
+      <p:pic>
+        <p:nvPicPr>
+          <p:cNvPr id="6" name="Picture 5"/>
+          <p:cNvPicPr>
+            <a:picLocks noChangeAspect="1"/>
+          </p:cNvPicPr>
+          <p:nvPr/>
+        </p:nvPicPr>
+        <p:blipFill>
+          <a:blip r:embed="rId2"/>
+          <a:stretch>
+            <a:fillRect/>
+          </a:stretch>
+        </p:blipFill>
+        <p:spPr>
+          <a:xfrm>
+            <a:off x="1092200" y="2921000"/>
+            <a:ext cx="6946900" cy="1016000"/>
+          </a:xfrm>
+          <a:prstGeom prst="rect">
+            <a:avLst/>
+          </a:prstGeom>
+        </p:spPr>
+      </p:pic>
     </p:spTree>
     <p:extLst>
       <p:ext uri="{BB962C8B-B14F-4D97-AF65-F5344CB8AC3E}">
@@ -4625,10 +4900,17 @@
   <p:clrMapOvr>
     <a:masterClrMapping/>
   </p:clrMapOvr>
+  <p:timing>
+    <p:tnLst>
+      <p:par>
+        <p:cTn xmlns:p14="http://schemas.microsoft.com/office/powerpoint/2010/main" id="1" dur="indefinite" restart="never" nodeType="tmRoot"/>
+      </p:par>
+    </p:tnLst>
+  </p:timing>
 </p:sld>
 </file>
 
-<file path=ppt/slides/slide16.xml><?xml version="1.0" encoding="utf-8"?>
+<file path=ppt/slides/slide18.xml><?xml version="1.0" encoding="utf-8"?>
 <p:sld xmlns:a="http://schemas.openxmlformats.org/drawingml/2006/main" xmlns:r="http://schemas.openxmlformats.org/officeDocument/2006/relationships" xmlns:p="http://schemas.openxmlformats.org/presentationml/2006/main">
   <p:cSld>
     <p:spTree>
@@ -4755,10 +5037,17 @@
   <p:clrMapOvr>
     <a:masterClrMapping/>
   </p:clrMapOvr>
+  <p:timing>
+    <p:tnLst>
+      <p:par>
+        <p:cTn xmlns:p14="http://schemas.microsoft.com/office/powerpoint/2010/main" id="1" dur="indefinite" restart="never" nodeType="tmRoot"/>
+      </p:par>
+    </p:tnLst>
+  </p:timing>
 </p:sld>
 </file>
 
-<file path=ppt/slides/slide17.xml><?xml version="1.0" encoding="utf-8"?>
+<file path=ppt/slides/slide19.xml><?xml version="1.0" encoding="utf-8"?>
 <p:sld xmlns:a="http://schemas.openxmlformats.org/drawingml/2006/main" xmlns:r="http://schemas.openxmlformats.org/officeDocument/2006/relationships" xmlns:p="http://schemas.openxmlformats.org/presentationml/2006/main">
   <p:cSld>
     <p:spTree>
@@ -4812,8 +5101,8 @@
         </p:nvSpPr>
         <p:spPr>
           <a:xfrm>
-            <a:off x="457200" y="1600199"/>
-            <a:ext cx="8229600" cy="4537406"/>
+            <a:off x="457200" y="2051295"/>
+            <a:ext cx="8229600" cy="4086310"/>
           </a:xfrm>
         </p:spPr>
         <p:txBody>
@@ -4889,8 +5178,32 @@
         </p:blipFill>
         <p:spPr>
           <a:xfrm>
-            <a:off x="2463800" y="3923377"/>
+            <a:off x="2463800" y="4378957"/>
             <a:ext cx="4203700" cy="520700"/>
+          </a:xfrm>
+          <a:prstGeom prst="rect">
+            <a:avLst/>
+          </a:prstGeom>
+        </p:spPr>
+      </p:pic>
+      <p:pic>
+        <p:nvPicPr>
+          <p:cNvPr id="4" name="Picture 3"/>
+          <p:cNvPicPr>
+            <a:picLocks noChangeAspect="1"/>
+          </p:cNvPicPr>
+          <p:nvPr/>
+        </p:nvPicPr>
+        <p:blipFill>
+          <a:blip r:embed="rId3"/>
+          <a:stretch>
+            <a:fillRect/>
+          </a:stretch>
+        </p:blipFill>
+        <p:spPr>
+          <a:xfrm>
+            <a:off x="2768600" y="1484982"/>
+            <a:ext cx="3606800" cy="469900"/>
           </a:xfrm>
           <a:prstGeom prst="rect">
             <a:avLst/>
@@ -4907,10 +5220,149 @@
   <p:clrMapOvr>
     <a:masterClrMapping/>
   </p:clrMapOvr>
+  <p:timing>
+    <p:tnLst>
+      <p:par>
+        <p:cTn xmlns:p14="http://schemas.microsoft.com/office/powerpoint/2010/main" id="1" dur="indefinite" restart="never" nodeType="tmRoot"/>
+      </p:par>
+    </p:tnLst>
+  </p:timing>
 </p:sld>
 </file>
 
-<file path=ppt/slides/slide18.xml><?xml version="1.0" encoding="utf-8"?>
+<file path=ppt/slides/slide2.xml><?xml version="1.0" encoding="utf-8"?>
+<p:sld xmlns:a="http://schemas.openxmlformats.org/drawingml/2006/main" xmlns:r="http://schemas.openxmlformats.org/officeDocument/2006/relationships" xmlns:p="http://schemas.openxmlformats.org/presentationml/2006/main">
+  <p:cSld>
+    <p:spTree>
+      <p:nvGrpSpPr>
+        <p:cNvPr id="1" name=""/>
+        <p:cNvGrpSpPr/>
+        <p:nvPr/>
+      </p:nvGrpSpPr>
+      <p:grpSpPr>
+        <a:xfrm>
+          <a:off x="0" y="0"/>
+          <a:ext cx="0" cy="0"/>
+          <a:chOff x="0" y="0"/>
+          <a:chExt cx="0" cy="0"/>
+        </a:xfrm>
+      </p:grpSpPr>
+      <p:sp>
+        <p:nvSpPr>
+          <p:cNvPr id="2" name="Title 1"/>
+          <p:cNvSpPr>
+            <a:spLocks noGrp="1"/>
+          </p:cNvSpPr>
+          <p:nvPr>
+            <p:ph type="title"/>
+          </p:nvPr>
+        </p:nvSpPr>
+        <p:spPr/>
+        <p:txBody>
+          <a:bodyPr/>
+          <a:lstStyle/>
+          <a:p>
+            <a:r>
+              <a:rPr lang="en-US" dirty="0" smtClean="0"/>
+              <a:t>Inference</a:t>
+            </a:r>
+            <a:endParaRPr lang="en-US" dirty="0"/>
+          </a:p>
+        </p:txBody>
+      </p:sp>
+      <p:sp>
+        <p:nvSpPr>
+          <p:cNvPr id="3" name="Content Placeholder 2"/>
+          <p:cNvSpPr>
+            <a:spLocks noGrp="1"/>
+          </p:cNvSpPr>
+          <p:nvPr>
+            <p:ph idx="1"/>
+          </p:nvPr>
+        </p:nvSpPr>
+        <p:spPr/>
+        <p:txBody>
+          <a:bodyPr>
+            <a:normAutofit lnSpcReduction="10000"/>
+          </a:bodyPr>
+          <a:lstStyle/>
+          <a:p>
+            <a:r>
+              <a:rPr lang="en-US" dirty="0" smtClean="0"/>
+              <a:t>Basic task for inference:</a:t>
+            </a:r>
+          </a:p>
+          <a:p>
+            <a:pPr lvl="1"/>
+            <a:r>
+              <a:rPr lang="en-US" dirty="0" smtClean="0"/>
+              <a:t>Compute a posterior distribution for some query variables given some observed evidence</a:t>
+            </a:r>
+          </a:p>
+          <a:p>
+            <a:pPr lvl="1"/>
+            <a:r>
+              <a:rPr lang="en-US" dirty="0" smtClean="0"/>
+              <a:t>Sum out nuisance variables</a:t>
+            </a:r>
+          </a:p>
+          <a:p>
+            <a:r>
+              <a:rPr lang="en-US" dirty="0" smtClean="0"/>
+              <a:t>In general inference in GMs is intractable…</a:t>
+            </a:r>
+          </a:p>
+          <a:p>
+            <a:pPr lvl="1"/>
+            <a:r>
+              <a:rPr lang="en-US" dirty="0" smtClean="0"/>
+              <a:t>Tractable in certain cases, e.g. HMMs, trees</a:t>
+            </a:r>
+          </a:p>
+          <a:p>
+            <a:pPr lvl="1"/>
+            <a:r>
+              <a:rPr lang="en-US" dirty="0" smtClean="0"/>
+              <a:t>Approximate inference techniques</a:t>
+            </a:r>
+          </a:p>
+          <a:p>
+            <a:pPr lvl="2"/>
+            <a:r>
+              <a:rPr lang="en-US" dirty="0" smtClean="0"/>
+              <a:t>Active research area…</a:t>
+            </a:r>
+          </a:p>
+          <a:p>
+            <a:pPr lvl="1"/>
+            <a:r>
+              <a:rPr lang="en-US" dirty="0" smtClean="0"/>
+              <a:t>More later</a:t>
+            </a:r>
+          </a:p>
+        </p:txBody>
+      </p:sp>
+    </p:spTree>
+    <p:extLst>
+      <p:ext uri="{BB962C8B-B14F-4D97-AF65-F5344CB8AC3E}">
+        <p14:creationId xmlns:p14="http://schemas.microsoft.com/office/powerpoint/2010/main" val="2577852066"/>
+      </p:ext>
+    </p:extLst>
+  </p:cSld>
+  <p:clrMapOvr>
+    <a:masterClrMapping/>
+  </p:clrMapOvr>
+  <p:timing>
+    <p:tnLst>
+      <p:par>
+        <p:cTn xmlns:p14="http://schemas.microsoft.com/office/powerpoint/2010/main" id="1" dur="indefinite" restart="never" nodeType="tmRoot"/>
+      </p:par>
+    </p:tnLst>
+  </p:timing>
+</p:sld>
+</file>
+
+<file path=ppt/slides/slide20.xml><?xml version="1.0" encoding="utf-8"?>
 <p:sld xmlns:a="http://schemas.openxmlformats.org/drawingml/2006/main" xmlns:r="http://schemas.openxmlformats.org/officeDocument/2006/relationships" xmlns:p="http://schemas.openxmlformats.org/presentationml/2006/main">
   <p:cSld>
     <p:spTree>
@@ -5069,10 +5521,17 @@
   <p:clrMapOvr>
     <a:masterClrMapping/>
   </p:clrMapOvr>
+  <p:timing>
+    <p:tnLst>
+      <p:par>
+        <p:cTn xmlns:p14="http://schemas.microsoft.com/office/powerpoint/2010/main" id="1" dur="indefinite" restart="never" nodeType="tmRoot"/>
+      </p:par>
+    </p:tnLst>
+  </p:timing>
 </p:sld>
 </file>
 
-<file path=ppt/slides/slide19.xml><?xml version="1.0" encoding="utf-8"?>
+<file path=ppt/slides/slide21.xml><?xml version="1.0" encoding="utf-8"?>
 <p:sld xmlns:a="http://schemas.openxmlformats.org/drawingml/2006/main" xmlns:r="http://schemas.openxmlformats.org/officeDocument/2006/relationships" xmlns:p="http://schemas.openxmlformats.org/presentationml/2006/main">
   <p:cSld>
     <p:spTree>
@@ -5174,10 +5633,17 @@
   <p:clrMapOvr>
     <a:masterClrMapping/>
   </p:clrMapOvr>
+  <p:timing>
+    <p:tnLst>
+      <p:par>
+        <p:cTn xmlns:p14="http://schemas.microsoft.com/office/powerpoint/2010/main" id="1" dur="indefinite" restart="never" nodeType="tmRoot"/>
+      </p:par>
+    </p:tnLst>
+  </p:timing>
 </p:sld>
 </file>
 
-<file path=ppt/slides/slide2.xml><?xml version="1.0" encoding="utf-8"?>
+<file path=ppt/slides/slide22.xml><?xml version="1.0" encoding="utf-8"?>
 <p:sld xmlns:a="http://schemas.openxmlformats.org/drawingml/2006/main" xmlns:r="http://schemas.openxmlformats.org/officeDocument/2006/relationships" xmlns:p="http://schemas.openxmlformats.org/presentationml/2006/main">
   <p:cSld>
     <p:spTree>
@@ -5206,85 +5672,67 @@
         </p:nvSpPr>
         <p:spPr/>
         <p:txBody>
+          <a:bodyPr>
+            <a:normAutofit fontScale="90000"/>
+          </a:bodyPr>
+          <a:lstStyle/>
+          <a:p>
+            <a:r>
+              <a:rPr lang="en-US" dirty="0" smtClean="0"/>
+              <a:t>Q: how to compute top-down messages?</a:t>
+            </a:r>
+            <a:endParaRPr lang="en-US" dirty="0"/>
+          </a:p>
+        </p:txBody>
+      </p:sp>
+      <p:sp>
+        <p:nvSpPr>
+          <p:cNvPr id="3" name="Content Placeholder 2"/>
+          <p:cNvSpPr>
+            <a:spLocks noGrp="1"/>
+          </p:cNvSpPr>
+          <p:nvPr>
+            <p:ph idx="1"/>
+          </p:nvPr>
+        </p:nvSpPr>
+        <p:spPr/>
+        <p:txBody>
           <a:bodyPr/>
           <a:lstStyle/>
           <a:p>
             <a:r>
               <a:rPr lang="en-US" dirty="0" smtClean="0"/>
-              <a:t>Inference</a:t>
-            </a:r>
-            <a:endParaRPr lang="en-US" dirty="0"/>
-          </a:p>
-        </p:txBody>
-      </p:sp>
-      <p:sp>
-        <p:nvSpPr>
-          <p:cNvPr id="3" name="Content Placeholder 2"/>
-          <p:cNvSpPr>
-            <a:spLocks noGrp="1"/>
-          </p:cNvSpPr>
-          <p:nvPr>
-            <p:ph idx="1"/>
-          </p:nvPr>
-        </p:nvSpPr>
-        <p:spPr/>
-        <p:txBody>
-          <a:bodyPr>
-            <a:normAutofit lnSpcReduction="10000"/>
-          </a:bodyPr>
-          <a:lstStyle/>
-          <a:p>
-            <a:r>
-              <a:rPr lang="en-US" dirty="0" smtClean="0"/>
-              <a:t>Basic task for inference:</a:t>
-            </a:r>
-          </a:p>
-          <a:p>
-            <a:pPr lvl="1"/>
-            <a:r>
-              <a:rPr lang="en-US" dirty="0" smtClean="0"/>
-              <a:t>Compute a posterior distribution for some query variables given some observed evidence</a:t>
-            </a:r>
-          </a:p>
-          <a:p>
-            <a:pPr lvl="1"/>
-            <a:r>
-              <a:rPr lang="en-US" dirty="0" smtClean="0"/>
-              <a:t>Sum out nuisance variables</a:t>
-            </a:r>
-          </a:p>
-          <a:p>
-            <a:r>
-              <a:rPr lang="en-US" dirty="0" smtClean="0"/>
-              <a:t>In general inference in GMs is intractable…</a:t>
-            </a:r>
-          </a:p>
-          <a:p>
-            <a:pPr lvl="1"/>
-            <a:r>
-              <a:rPr lang="en-US" dirty="0" smtClean="0"/>
-              <a:t>Tractable in certain cases, e.g. HMMs, trees</a:t>
-            </a:r>
-          </a:p>
-          <a:p>
-            <a:pPr lvl="1"/>
-            <a:r>
-              <a:rPr lang="en-US" dirty="0" smtClean="0"/>
-              <a:t>Approximate inference techniques</a:t>
-            </a:r>
-          </a:p>
-          <a:p>
-            <a:pPr lvl="2"/>
-            <a:r>
-              <a:rPr lang="en-US" dirty="0" smtClean="0"/>
-              <a:t>Active research area…</a:t>
-            </a:r>
-          </a:p>
-          <a:p>
-            <a:pPr lvl="1"/>
-            <a:r>
-              <a:rPr lang="en-US" dirty="0" smtClean="0"/>
-              <a:t>More later</a:t>
+              <a:t>Consider the message from </a:t>
+            </a:r>
+            <a:r>
+              <a:rPr lang="en-US" b="1" dirty="0" smtClean="0"/>
+              <a:t>t</a:t>
+            </a:r>
+            <a:r>
+              <a:rPr lang="en-US" dirty="0" smtClean="0"/>
+              <a:t> to </a:t>
+            </a:r>
+            <a:r>
+              <a:rPr lang="en-US" b="1" dirty="0" smtClean="0"/>
+              <a:t>s</a:t>
+            </a:r>
+          </a:p>
+          <a:p>
+            <a:r>
+              <a:rPr lang="en-US" dirty="0" smtClean="0"/>
+              <a:t>Suppose t’s parent is r</a:t>
+            </a:r>
+          </a:p>
+          <a:p>
+            <a:r>
+              <a:rPr lang="en-US" dirty="0" smtClean="0"/>
+              <a:t>t’s children are s and u</a:t>
+            </a:r>
+          </a:p>
+          <a:p>
+            <a:r>
+              <a:rPr lang="en-US" dirty="0" smtClean="0"/>
+              <a:t>(like in the figure)</a:t>
             </a:r>
           </a:p>
         </p:txBody>
@@ -5292,17 +5740,24 @@
     </p:spTree>
     <p:extLst>
       <p:ext uri="{BB962C8B-B14F-4D97-AF65-F5344CB8AC3E}">
-        <p14:creationId xmlns:p14="http://schemas.microsoft.com/office/powerpoint/2010/main" val="2577852066"/>
+        <p14:creationId xmlns:p14="http://schemas.microsoft.com/office/powerpoint/2010/main" val="2180626684"/>
       </p:ext>
     </p:extLst>
   </p:cSld>
   <p:clrMapOvr>
     <a:masterClrMapping/>
   </p:clrMapOvr>
+  <p:timing>
+    <p:tnLst>
+      <p:par>
+        <p:cTn xmlns:p14="http://schemas.microsoft.com/office/powerpoint/2010/main" id="1" dur="indefinite" restart="never" nodeType="tmRoot"/>
+      </p:par>
+    </p:tnLst>
+  </p:timing>
 </p:sld>
 </file>
 
-<file path=ppt/slides/slide20.xml><?xml version="1.0" encoding="utf-8"?>
+<file path=ppt/slides/slide23.xml><?xml version="1.0" encoding="utf-8"?>
 <p:sld xmlns:a="http://schemas.openxmlformats.org/drawingml/2006/main" xmlns:r="http://schemas.openxmlformats.org/officeDocument/2006/relationships" xmlns:p="http://schemas.openxmlformats.org/presentationml/2006/main">
   <p:cSld>
     <p:spTree>
@@ -5360,117 +5815,9 @@
           <a:lstStyle/>
           <a:p>
             <a:r>
-              <a:rPr lang="en-US" dirty="0" smtClean="0"/>
-              <a:t>Consider the message from </a:t>
-            </a:r>
-            <a:r>
-              <a:rPr lang="en-US" b="1" dirty="0" smtClean="0"/>
-              <a:t>t</a:t>
-            </a:r>
-            <a:r>
-              <a:rPr lang="en-US" dirty="0" smtClean="0"/>
-              <a:t> to </a:t>
-            </a:r>
-            <a:r>
-              <a:rPr lang="en-US" b="1" dirty="0" smtClean="0"/>
-              <a:t>s</a:t>
-            </a:r>
-          </a:p>
-          <a:p>
-            <a:r>
-              <a:rPr lang="en-US" dirty="0" smtClean="0"/>
-              <a:t>Suppose t’s parent is r</a:t>
-            </a:r>
-          </a:p>
-          <a:p>
-            <a:r>
-              <a:rPr lang="en-US" dirty="0" smtClean="0"/>
-              <a:t>t’s children are s and u</a:t>
-            </a:r>
-          </a:p>
-          <a:p>
-            <a:r>
-              <a:rPr lang="en-US" dirty="0" smtClean="0"/>
-              <a:t>(like in the figure)</a:t>
-            </a:r>
-          </a:p>
-        </p:txBody>
-      </p:sp>
-    </p:spTree>
-    <p:extLst>
-      <p:ext uri="{BB962C8B-B14F-4D97-AF65-F5344CB8AC3E}">
-        <p14:creationId xmlns:p14="http://schemas.microsoft.com/office/powerpoint/2010/main" val="2180626684"/>
-      </p:ext>
-    </p:extLst>
-  </p:cSld>
-  <p:clrMapOvr>
-    <a:masterClrMapping/>
-  </p:clrMapOvr>
-</p:sld>
-</file>
-
-<file path=ppt/slides/slide21.xml><?xml version="1.0" encoding="utf-8"?>
-<p:sld xmlns:a="http://schemas.openxmlformats.org/drawingml/2006/main" xmlns:r="http://schemas.openxmlformats.org/officeDocument/2006/relationships" xmlns:p="http://schemas.openxmlformats.org/presentationml/2006/main">
-  <p:cSld>
-    <p:spTree>
-      <p:nvGrpSpPr>
-        <p:cNvPr id="1" name=""/>
-        <p:cNvGrpSpPr/>
-        <p:nvPr/>
-      </p:nvGrpSpPr>
-      <p:grpSpPr>
-        <a:xfrm>
-          <a:off x="0" y="0"/>
-          <a:ext cx="0" cy="0"/>
-          <a:chOff x="0" y="0"/>
-          <a:chExt cx="0" cy="0"/>
-        </a:xfrm>
-      </p:grpSpPr>
-      <p:sp>
-        <p:nvSpPr>
-          <p:cNvPr id="2" name="Title 1"/>
-          <p:cNvSpPr>
-            <a:spLocks noGrp="1"/>
-          </p:cNvSpPr>
-          <p:nvPr>
-            <p:ph type="title"/>
-          </p:nvPr>
-        </p:nvSpPr>
-        <p:spPr/>
-        <p:txBody>
-          <a:bodyPr>
-            <a:normAutofit fontScale="90000"/>
-          </a:bodyPr>
-          <a:lstStyle/>
-          <a:p>
-            <a:r>
-              <a:rPr lang="en-US" dirty="0" smtClean="0"/>
-              <a:t>Q: how to compute top-down messages?</a:t>
-            </a:r>
-            <a:endParaRPr lang="en-US" dirty="0"/>
-          </a:p>
-        </p:txBody>
-      </p:sp>
-      <p:sp>
-        <p:nvSpPr>
-          <p:cNvPr id="3" name="Content Placeholder 2"/>
-          <p:cNvSpPr>
-            <a:spLocks noGrp="1"/>
-          </p:cNvSpPr>
-          <p:nvPr>
-            <p:ph idx="1"/>
-          </p:nvPr>
-        </p:nvSpPr>
-        <p:spPr/>
-        <p:txBody>
-          <a:bodyPr/>
-          <a:lstStyle/>
-          <a:p>
-            <a:r>
               <a:rPr lang="en-US" dirty="0"/>
               <a:t>We want the message to include all the information t has received except information that s sent it</a:t>
             </a:r>
-            <a:endParaRPr lang="en-US" dirty="0"/>
           </a:p>
         </p:txBody>
       </p:sp>
@@ -5508,10 +5855,17 @@
   <p:clrMapOvr>
     <a:masterClrMapping/>
   </p:clrMapOvr>
+  <p:timing>
+    <p:tnLst>
+      <p:par>
+        <p:cTn xmlns:p14="http://schemas.microsoft.com/office/powerpoint/2010/main" id="1" dur="indefinite" restart="never" nodeType="tmRoot"/>
+      </p:par>
+    </p:tnLst>
+  </p:timing>
 </p:sld>
 </file>
 
-<file path=ppt/slides/slide22.xml><?xml version="1.0" encoding="utf-8"?>
+<file path=ppt/slides/slide24.xml><?xml version="1.0" encoding="utf-8"?>
 <p:sld xmlns:a="http://schemas.openxmlformats.org/drawingml/2006/main" xmlns:r="http://schemas.openxmlformats.org/officeDocument/2006/relationships" xmlns:p="http://schemas.openxmlformats.org/presentationml/2006/main">
   <p:cSld>
     <p:spTree>
@@ -5795,10 +6149,17 @@
   <p:clrMapOvr>
     <a:masterClrMapping/>
   </p:clrMapOvr>
+  <p:timing>
+    <p:tnLst>
+      <p:par>
+        <p:cTn xmlns:p14="http://schemas.microsoft.com/office/powerpoint/2010/main" id="1" dur="indefinite" restart="never" nodeType="tmRoot"/>
+      </p:par>
+    </p:tnLst>
+  </p:timing>
 </p:sld>
 </file>
 
-<file path=ppt/slides/slide23.xml><?xml version="1.0" encoding="utf-8"?>
+<file path=ppt/slides/slide25.xml><?xml version="1.0" encoding="utf-8"?>
 <p:sld xmlns:a="http://schemas.openxmlformats.org/drawingml/2006/main" xmlns:r="http://schemas.openxmlformats.org/officeDocument/2006/relationships" xmlns:p="http://schemas.openxmlformats.org/presentationml/2006/main">
   <p:cSld>
     <p:spTree>
@@ -5928,10 +6289,17 @@
   <p:clrMapOvr>
     <a:masterClrMapping/>
   </p:clrMapOvr>
+  <p:timing>
+    <p:tnLst>
+      <p:par>
+        <p:cTn xmlns:p14="http://schemas.microsoft.com/office/powerpoint/2010/main" id="1" dur="indefinite" restart="never" nodeType="tmRoot"/>
+      </p:par>
+    </p:tnLst>
+  </p:timing>
 </p:sld>
 </file>
 
-<file path=ppt/slides/slide24.xml><?xml version="1.0" encoding="utf-8"?>
+<file path=ppt/slides/slide26.xml><?xml version="1.0" encoding="utf-8"?>
 <p:sld xmlns:a="http://schemas.openxmlformats.org/drawingml/2006/main" xmlns:r="http://schemas.openxmlformats.org/officeDocument/2006/relationships" xmlns:p="http://schemas.openxmlformats.org/presentationml/2006/main">
   <p:cSld>
     <p:spTree>
@@ -6026,10 +6394,17 @@
   <p:clrMapOvr>
     <a:masterClrMapping/>
   </p:clrMapOvr>
+  <p:timing>
+    <p:tnLst>
+      <p:par>
+        <p:cTn xmlns:p14="http://schemas.microsoft.com/office/powerpoint/2010/main" id="1" dur="indefinite" restart="never" nodeType="tmRoot"/>
+      </p:par>
+    </p:tnLst>
+  </p:timing>
 </p:sld>
 </file>
 
-<file path=ppt/slides/slide25.xml><?xml version="1.0" encoding="utf-8"?>
+<file path=ppt/slides/slide27.xml><?xml version="1.0" encoding="utf-8"?>
 <p:sld xmlns:a="http://schemas.openxmlformats.org/drawingml/2006/main" xmlns:r="http://schemas.openxmlformats.org/officeDocument/2006/relationships" xmlns:p="http://schemas.openxmlformats.org/presentationml/2006/main">
   <p:cSld>
     <p:spTree>
@@ -6165,7 +6540,7 @@
 </p:sld>
 </file>
 
-<file path=ppt/slides/slide26.xml><?xml version="1.0" encoding="utf-8"?>
+<file path=ppt/slides/slide28.xml><?xml version="1.0" encoding="utf-8"?>
 <p:sld xmlns:a="http://schemas.openxmlformats.org/drawingml/2006/main" xmlns:r="http://schemas.openxmlformats.org/officeDocument/2006/relationships" xmlns:p="http://schemas.openxmlformats.org/presentationml/2006/main">
   <p:cSld>
     <p:spTree>
@@ -6311,302 +6686,6 @@
 </p:sld>
 </file>
 
-<file path=ppt/slides/slide27.xml><?xml version="1.0" encoding="utf-8"?>
-<p:sld xmlns:a="http://schemas.openxmlformats.org/drawingml/2006/main" xmlns:r="http://schemas.openxmlformats.org/officeDocument/2006/relationships" xmlns:p="http://schemas.openxmlformats.org/presentationml/2006/main">
-  <p:cSld>
-    <p:spTree>
-      <p:nvGrpSpPr>
-        <p:cNvPr id="1" name=""/>
-        <p:cNvGrpSpPr/>
-        <p:nvPr/>
-      </p:nvGrpSpPr>
-      <p:grpSpPr>
-        <a:xfrm>
-          <a:off x="0" y="0"/>
-          <a:ext cx="0" cy="0"/>
-          <a:chOff x="0" y="0"/>
-          <a:chExt cx="0" cy="0"/>
-        </a:xfrm>
-      </p:grpSpPr>
-      <p:sp>
-        <p:nvSpPr>
-          <p:cNvPr id="2" name="Title 1"/>
-          <p:cNvSpPr>
-            <a:spLocks noGrp="1"/>
-          </p:cNvSpPr>
-          <p:nvPr>
-            <p:ph type="title"/>
-          </p:nvPr>
-        </p:nvSpPr>
-        <p:spPr/>
-        <p:txBody>
-          <a:bodyPr/>
-          <a:lstStyle/>
-          <a:p>
-            <a:r>
-              <a:rPr lang="en-US" dirty="0" smtClean="0"/>
-              <a:t>Generalized Distributive Law</a:t>
-            </a:r>
-            <a:endParaRPr lang="en-US" dirty="0"/>
-          </a:p>
-        </p:txBody>
-      </p:sp>
-      <p:sp>
-        <p:nvSpPr>
-          <p:cNvPr id="3" name="Content Placeholder 2"/>
-          <p:cNvSpPr>
-            <a:spLocks noGrp="1"/>
-          </p:cNvSpPr>
-          <p:nvPr>
-            <p:ph idx="1"/>
-          </p:nvPr>
-        </p:nvSpPr>
-        <p:spPr/>
-        <p:txBody>
-          <a:bodyPr>
-            <a:normAutofit fontScale="92500" lnSpcReduction="10000"/>
-          </a:bodyPr>
-          <a:lstStyle/>
-          <a:p>
-            <a:r>
-              <a:rPr lang="en-US" dirty="0" smtClean="0"/>
-              <a:t>In general VE can be applied to any commutative </a:t>
-            </a:r>
-            <a:r>
-              <a:rPr lang="en-US" b="1" dirty="0" smtClean="0"/>
-              <a:t>semi-ring</a:t>
-            </a:r>
-          </a:p>
-          <a:p>
-            <a:pPr lvl="1"/>
-            <a:r>
-              <a:rPr lang="en-US" dirty="0" smtClean="0"/>
-              <a:t>A set K, together with two binary operations called “+” and “×” which satisfy the axioms:</a:t>
-            </a:r>
-          </a:p>
-          <a:p>
-            <a:pPr lvl="2"/>
-            <a:r>
-              <a:rPr lang="en-US" dirty="0" smtClean="0"/>
-              <a:t>The operation “+” is associative and commutative</a:t>
-            </a:r>
-          </a:p>
-          <a:p>
-            <a:pPr lvl="2"/>
-            <a:r>
-              <a:rPr lang="en-US" dirty="0" smtClean="0"/>
-              <a:t>There is an additive identity “0”</a:t>
-            </a:r>
-          </a:p>
-          <a:p>
-            <a:pPr lvl="3"/>
-            <a:r>
-              <a:rPr lang="en-US" dirty="0" smtClean="0"/>
-              <a:t> k + 0 = k</a:t>
-            </a:r>
-          </a:p>
-          <a:p>
-            <a:pPr lvl="2"/>
-            <a:r>
-              <a:rPr lang="en-US" dirty="0" smtClean="0"/>
-              <a:t>The operation “×” is associative and commutative</a:t>
-            </a:r>
-          </a:p>
-          <a:p>
-            <a:pPr lvl="2"/>
-            <a:r>
-              <a:rPr lang="en-US" dirty="0" smtClean="0"/>
-              <a:t>There is a multiplicative identity “1”</a:t>
-            </a:r>
-          </a:p>
-          <a:p>
-            <a:pPr lvl="3"/>
-            <a:r>
-              <a:rPr lang="en-US" dirty="0" smtClean="0"/>
-              <a:t>k × 1 = k</a:t>
-            </a:r>
-          </a:p>
-          <a:p>
-            <a:pPr lvl="2"/>
-            <a:r>
-              <a:rPr lang="en-US" dirty="0" smtClean="0"/>
-              <a:t>The distributive law holds:</a:t>
-            </a:r>
-          </a:p>
-          <a:p>
-            <a:pPr lvl="3"/>
-            <a:r>
-              <a:rPr lang="en-US" dirty="0" smtClean="0"/>
-              <a:t>(a × b) + (a × c) = a × (b + c)</a:t>
-            </a:r>
-          </a:p>
-          <a:p>
-            <a:pPr lvl="3"/>
-            <a:endParaRPr lang="en-US" dirty="0" smtClean="0"/>
-          </a:p>
-          <a:p>
-            <a:pPr lvl="1"/>
-            <a:endParaRPr lang="en-US" dirty="0" smtClean="0"/>
-          </a:p>
-          <a:p>
-            <a:endParaRPr lang="en-US" dirty="0"/>
-          </a:p>
-        </p:txBody>
-      </p:sp>
-    </p:spTree>
-    <p:extLst>
-      <p:ext uri="{BB962C8B-B14F-4D97-AF65-F5344CB8AC3E}">
-        <p14:creationId xmlns:p14="http://schemas.microsoft.com/office/powerpoint/2010/main" val="3063090074"/>
-      </p:ext>
-    </p:extLst>
-  </p:cSld>
-  <p:clrMapOvr>
-    <a:masterClrMapping/>
-  </p:clrMapOvr>
-  <p:timing>
-    <p:tnLst>
-      <p:par>
-        <p:cTn xmlns:p14="http://schemas.microsoft.com/office/powerpoint/2010/main" id="1" dur="indefinite" restart="never" nodeType="tmRoot"/>
-      </p:par>
-    </p:tnLst>
-  </p:timing>
-</p:sld>
-</file>
-
-<file path=ppt/slides/slide28.xml><?xml version="1.0" encoding="utf-8"?>
-<p:sld xmlns:a="http://schemas.openxmlformats.org/drawingml/2006/main" xmlns:r="http://schemas.openxmlformats.org/officeDocument/2006/relationships" xmlns:p="http://schemas.openxmlformats.org/presentationml/2006/main">
-  <p:cSld>
-    <p:spTree>
-      <p:nvGrpSpPr>
-        <p:cNvPr id="1" name=""/>
-        <p:cNvGrpSpPr/>
-        <p:nvPr/>
-      </p:nvGrpSpPr>
-      <p:grpSpPr>
-        <a:xfrm>
-          <a:off x="0" y="0"/>
-          <a:ext cx="0" cy="0"/>
-          <a:chOff x="0" y="0"/>
-          <a:chExt cx="0" cy="0"/>
-        </a:xfrm>
-      </p:grpSpPr>
-      <p:sp>
-        <p:nvSpPr>
-          <p:cNvPr id="2" name="Title 1"/>
-          <p:cNvSpPr>
-            <a:spLocks noGrp="1"/>
-          </p:cNvSpPr>
-          <p:nvPr>
-            <p:ph type="title"/>
-          </p:nvPr>
-        </p:nvSpPr>
-        <p:spPr/>
-        <p:txBody>
-          <a:bodyPr/>
-          <a:lstStyle/>
-          <a:p>
-            <a:r>
-              <a:rPr lang="en-US" dirty="0" smtClean="0"/>
-              <a:t>Generalized Distributive Law</a:t>
-            </a:r>
-            <a:endParaRPr lang="en-US" dirty="0"/>
-          </a:p>
-        </p:txBody>
-      </p:sp>
-      <p:sp>
-        <p:nvSpPr>
-          <p:cNvPr id="3" name="Content Placeholder 2"/>
-          <p:cNvSpPr>
-            <a:spLocks noGrp="1"/>
-          </p:cNvSpPr>
-          <p:nvPr>
-            <p:ph idx="1"/>
-          </p:nvPr>
-        </p:nvSpPr>
-        <p:spPr/>
-        <p:txBody>
-          <a:bodyPr>
-            <a:normAutofit/>
-          </a:bodyPr>
-          <a:lstStyle/>
-          <a:p>
-            <a:r>
-              <a:rPr lang="en-US" b="1" dirty="0" smtClean="0"/>
-              <a:t>Semi-ring</a:t>
-            </a:r>
-            <a:r>
-              <a:rPr lang="en-US" dirty="0" smtClean="0"/>
-              <a:t> For marginal inference (sum-product):</a:t>
-            </a:r>
-          </a:p>
-          <a:p>
-            <a:pPr lvl="1"/>
-            <a:r>
-              <a:rPr lang="en-US" dirty="0" smtClean="0"/>
-              <a:t>“×” = multiplication</a:t>
-            </a:r>
-          </a:p>
-          <a:p>
-            <a:pPr lvl="1"/>
-            <a:r>
-              <a:rPr lang="en-US" dirty="0" smtClean="0"/>
-              <a:t>“+” = sum</a:t>
-            </a:r>
-            <a:endParaRPr lang="en-US" b="1" dirty="0" smtClean="0"/>
-          </a:p>
-          <a:p>
-            <a:r>
-              <a:rPr lang="en-US" b="1" dirty="0" smtClean="0"/>
-              <a:t>Semi-ring</a:t>
-            </a:r>
-            <a:r>
-              <a:rPr lang="en-US" dirty="0" smtClean="0"/>
-              <a:t> For MAP inference (max-product):</a:t>
-            </a:r>
-          </a:p>
-          <a:p>
-            <a:pPr lvl="1"/>
-            <a:r>
-              <a:rPr lang="en-US" dirty="0" smtClean="0"/>
-              <a:t>“×” = multiplication</a:t>
-            </a:r>
-          </a:p>
-          <a:p>
-            <a:pPr lvl="1"/>
-            <a:r>
-              <a:rPr lang="en-US" dirty="0" smtClean="0"/>
-              <a:t>“+” = max</a:t>
-            </a:r>
-          </a:p>
-          <a:p>
-            <a:pPr lvl="1"/>
-            <a:endParaRPr lang="en-US" dirty="0" smtClean="0"/>
-          </a:p>
-          <a:p>
-            <a:endParaRPr lang="en-US" dirty="0"/>
-          </a:p>
-        </p:txBody>
-      </p:sp>
-    </p:spTree>
-    <p:extLst>
-      <p:ext uri="{BB962C8B-B14F-4D97-AF65-F5344CB8AC3E}">
-        <p14:creationId xmlns:p14="http://schemas.microsoft.com/office/powerpoint/2010/main" val="1545443517"/>
-      </p:ext>
-    </p:extLst>
-  </p:cSld>
-  <p:clrMapOvr>
-    <a:masterClrMapping/>
-  </p:clrMapOvr>
-  <p:timing>
-    <p:tnLst>
-      <p:par>
-        <p:cTn xmlns:p14="http://schemas.microsoft.com/office/powerpoint/2010/main" id="1" dur="indefinite" restart="never" nodeType="tmRoot"/>
-      </p:par>
-    </p:tnLst>
-  </p:timing>
-</p:sld>
-</file>
-
 <file path=ppt/slides/slide29.xml><?xml version="1.0" encoding="utf-8"?>
 <p:sld xmlns:a="http://schemas.openxmlformats.org/drawingml/2006/main" xmlns:r="http://schemas.openxmlformats.org/officeDocument/2006/relationships" xmlns:p="http://schemas.openxmlformats.org/presentationml/2006/main">
   <p:cSld>
@@ -6624,40 +6703,135 @@
           <a:chExt cx="0" cy="0"/>
         </a:xfrm>
       </p:grpSpPr>
-      <p:pic>
-        <p:nvPicPr>
-          <p:cNvPr id="2" name="Picture 1" descr="varel.pdf"/>
-          <p:cNvPicPr>
-            <a:picLocks noChangeAspect="1"/>
-          </p:cNvPicPr>
-          <p:nvPr/>
-        </p:nvPicPr>
-        <p:blipFill>
-          <a:blip r:embed="rId2">
-            <a:extLst>
-              <a:ext uri="{28A0092B-C50C-407E-A947-70E740481C1C}">
-                <a14:useLocalDpi xmlns:a14="http://schemas.microsoft.com/office/drawing/2010/main" val="0"/>
-              </a:ext>
-            </a:extLst>
-          </a:blip>
-          <a:stretch>
-            <a:fillRect/>
-          </a:stretch>
-        </p:blipFill>
-        <p:spPr>
-          <a:xfrm>
-            <a:off x="268941" y="0"/>
-            <a:ext cx="8875059" cy="6858000"/>
-          </a:xfrm>
-          <a:prstGeom prst="rect">
-            <a:avLst/>
-          </a:prstGeom>
-        </p:spPr>
-      </p:pic>
+      <p:sp>
+        <p:nvSpPr>
+          <p:cNvPr id="2" name="Title 1"/>
+          <p:cNvSpPr>
+            <a:spLocks noGrp="1"/>
+          </p:cNvSpPr>
+          <p:nvPr>
+            <p:ph type="title"/>
+          </p:nvPr>
+        </p:nvSpPr>
+        <p:spPr/>
+        <p:txBody>
+          <a:bodyPr/>
+          <a:lstStyle/>
+          <a:p>
+            <a:r>
+              <a:rPr lang="en-US" dirty="0" smtClean="0"/>
+              <a:t>Generalized Distributive Law</a:t>
+            </a:r>
+            <a:endParaRPr lang="en-US" dirty="0"/>
+          </a:p>
+        </p:txBody>
+      </p:sp>
+      <p:sp>
+        <p:nvSpPr>
+          <p:cNvPr id="3" name="Content Placeholder 2"/>
+          <p:cNvSpPr>
+            <a:spLocks noGrp="1"/>
+          </p:cNvSpPr>
+          <p:nvPr>
+            <p:ph idx="1"/>
+          </p:nvPr>
+        </p:nvSpPr>
+        <p:spPr/>
+        <p:txBody>
+          <a:bodyPr>
+            <a:normAutofit fontScale="92500" lnSpcReduction="10000"/>
+          </a:bodyPr>
+          <a:lstStyle/>
+          <a:p>
+            <a:r>
+              <a:rPr lang="en-US" dirty="0" smtClean="0"/>
+              <a:t>In general VE can be applied to any commutative </a:t>
+            </a:r>
+            <a:r>
+              <a:rPr lang="en-US" b="1" dirty="0" smtClean="0"/>
+              <a:t>semi-ring</a:t>
+            </a:r>
+          </a:p>
+          <a:p>
+            <a:pPr lvl="1"/>
+            <a:r>
+              <a:rPr lang="en-US" dirty="0" smtClean="0"/>
+              <a:t>A set K, together with two binary operations called “+” and “×” which satisfy the axioms:</a:t>
+            </a:r>
+          </a:p>
+          <a:p>
+            <a:pPr lvl="2"/>
+            <a:r>
+              <a:rPr lang="en-US" dirty="0" smtClean="0"/>
+              <a:t>The operation “+” is associative and commutative</a:t>
+            </a:r>
+          </a:p>
+          <a:p>
+            <a:pPr lvl="2"/>
+            <a:r>
+              <a:rPr lang="en-US" dirty="0" smtClean="0"/>
+              <a:t>There is an additive identity “0”</a:t>
+            </a:r>
+          </a:p>
+          <a:p>
+            <a:pPr lvl="3"/>
+            <a:r>
+              <a:rPr lang="en-US" dirty="0" smtClean="0"/>
+              <a:t> k + 0 = k</a:t>
+            </a:r>
+          </a:p>
+          <a:p>
+            <a:pPr lvl="2"/>
+            <a:r>
+              <a:rPr lang="en-US" dirty="0" smtClean="0"/>
+              <a:t>The operation “×” is associative and commutative</a:t>
+            </a:r>
+          </a:p>
+          <a:p>
+            <a:pPr lvl="2"/>
+            <a:r>
+              <a:rPr lang="en-US" dirty="0" smtClean="0"/>
+              <a:t>There is a multiplicative identity “1”</a:t>
+            </a:r>
+          </a:p>
+          <a:p>
+            <a:pPr lvl="3"/>
+            <a:r>
+              <a:rPr lang="en-US" dirty="0" smtClean="0"/>
+              <a:t>k × 1 = k</a:t>
+            </a:r>
+          </a:p>
+          <a:p>
+            <a:pPr lvl="2"/>
+            <a:r>
+              <a:rPr lang="en-US" dirty="0" smtClean="0"/>
+              <a:t>The distributive law holds:</a:t>
+            </a:r>
+          </a:p>
+          <a:p>
+            <a:pPr lvl="3"/>
+            <a:r>
+              <a:rPr lang="en-US" dirty="0" smtClean="0"/>
+              <a:t>(a × b) + (a × c) = a × (b + c)</a:t>
+            </a:r>
+          </a:p>
+          <a:p>
+            <a:pPr lvl="3"/>
+            <a:endParaRPr lang="en-US" dirty="0" smtClean="0"/>
+          </a:p>
+          <a:p>
+            <a:pPr lvl="1"/>
+            <a:endParaRPr lang="en-US" dirty="0" smtClean="0"/>
+          </a:p>
+          <a:p>
+            <a:endParaRPr lang="en-US" dirty="0"/>
+          </a:p>
+        </p:txBody>
+      </p:sp>
     </p:spTree>
     <p:extLst>
       <p:ext uri="{BB962C8B-B14F-4D97-AF65-F5344CB8AC3E}">
-        <p14:creationId xmlns:p14="http://schemas.microsoft.com/office/powerpoint/2010/main" val="3507988238"/>
+        <p14:creationId xmlns:p14="http://schemas.microsoft.com/office/powerpoint/2010/main" val="3063090074"/>
       </p:ext>
     </p:extLst>
   </p:cSld>
@@ -6741,7 +6915,7 @@
 </p:sld>
 </file>
 
-<file path=ppt/slides/slide4.xml><?xml version="1.0" encoding="utf-8"?>
+<file path=ppt/slides/slide30.xml><?xml version="1.0" encoding="utf-8"?>
 <p:sld xmlns:a="http://schemas.openxmlformats.org/drawingml/2006/main" xmlns:r="http://schemas.openxmlformats.org/officeDocument/2006/relationships" xmlns:p="http://schemas.openxmlformats.org/presentationml/2006/main">
   <p:cSld>
     <p:spTree>
@@ -6758,40 +6932,107 @@
           <a:chExt cx="0" cy="0"/>
         </a:xfrm>
       </p:grpSpPr>
-      <p:pic>
-        <p:nvPicPr>
-          <p:cNvPr id="2" name="Picture 1" descr="varel.pdf"/>
-          <p:cNvPicPr>
-            <a:picLocks noChangeAspect="1"/>
-          </p:cNvPicPr>
-          <p:nvPr/>
-        </p:nvPicPr>
-        <p:blipFill>
-          <a:blip r:embed="rId2">
-            <a:extLst>
-              <a:ext uri="{28A0092B-C50C-407E-A947-70E740481C1C}">
-                <a14:useLocalDpi xmlns:a14="http://schemas.microsoft.com/office/drawing/2010/main" val="0"/>
-              </a:ext>
-            </a:extLst>
-          </a:blip>
-          <a:stretch>
-            <a:fillRect/>
-          </a:stretch>
-        </p:blipFill>
-        <p:spPr>
-          <a:xfrm>
-            <a:off x="153805" y="0"/>
-            <a:ext cx="8875059" cy="6858000"/>
-          </a:xfrm>
-          <a:prstGeom prst="rect">
-            <a:avLst/>
-          </a:prstGeom>
-        </p:spPr>
-      </p:pic>
+      <p:sp>
+        <p:nvSpPr>
+          <p:cNvPr id="2" name="Title 1"/>
+          <p:cNvSpPr>
+            <a:spLocks noGrp="1"/>
+          </p:cNvSpPr>
+          <p:nvPr>
+            <p:ph type="title"/>
+          </p:nvPr>
+        </p:nvSpPr>
+        <p:spPr/>
+        <p:txBody>
+          <a:bodyPr/>
+          <a:lstStyle/>
+          <a:p>
+            <a:r>
+              <a:rPr lang="en-US" dirty="0" smtClean="0"/>
+              <a:t>Generalized Distributive Law</a:t>
+            </a:r>
+            <a:endParaRPr lang="en-US" dirty="0"/>
+          </a:p>
+        </p:txBody>
+      </p:sp>
+      <p:sp>
+        <p:nvSpPr>
+          <p:cNvPr id="3" name="Content Placeholder 2"/>
+          <p:cNvSpPr>
+            <a:spLocks noGrp="1"/>
+          </p:cNvSpPr>
+          <p:nvPr>
+            <p:ph idx="1"/>
+          </p:nvPr>
+        </p:nvSpPr>
+        <p:spPr/>
+        <p:txBody>
+          <a:bodyPr>
+            <a:normAutofit/>
+          </a:bodyPr>
+          <a:lstStyle/>
+          <a:p>
+            <a:r>
+              <a:rPr lang="en-US" b="1" dirty="0" smtClean="0"/>
+              <a:t>Semi-ring</a:t>
+            </a:r>
+            <a:r>
+              <a:rPr lang="en-US" dirty="0" smtClean="0"/>
+              <a:t> For marginal inference (sum-product):</a:t>
+            </a:r>
+          </a:p>
+          <a:p>
+            <a:pPr lvl="1"/>
+            <a:r>
+              <a:rPr lang="en-US" dirty="0" smtClean="0"/>
+              <a:t>“×” = multiplication</a:t>
+            </a:r>
+          </a:p>
+          <a:p>
+            <a:pPr lvl="1"/>
+            <a:r>
+              <a:rPr lang="en-US" dirty="0" smtClean="0"/>
+              <a:t>“+” = sum</a:t>
+            </a:r>
+            <a:endParaRPr lang="en-US" b="1" dirty="0" smtClean="0"/>
+          </a:p>
+          <a:p>
+            <a:r>
+              <a:rPr lang="en-US" b="1" dirty="0" smtClean="0"/>
+              <a:t>Semi-ring</a:t>
+            </a:r>
+            <a:r>
+              <a:rPr lang="en-US" dirty="0" smtClean="0"/>
+              <a:t> For MAP inference (max-product):</a:t>
+            </a:r>
+          </a:p>
+          <a:p>
+            <a:pPr lvl="1"/>
+            <a:r>
+              <a:rPr lang="en-US" dirty="0" smtClean="0"/>
+              <a:t>“×” = multiplication</a:t>
+            </a:r>
+          </a:p>
+          <a:p>
+            <a:pPr lvl="1"/>
+            <a:r>
+              <a:rPr lang="en-US" dirty="0" smtClean="0"/>
+              <a:t>“+” = max</a:t>
+            </a:r>
+          </a:p>
+          <a:p>
+            <a:pPr lvl="1"/>
+            <a:endParaRPr lang="en-US" dirty="0" smtClean="0"/>
+          </a:p>
+          <a:p>
+            <a:endParaRPr lang="en-US" dirty="0"/>
+          </a:p>
+        </p:txBody>
+      </p:sp>
     </p:spTree>
     <p:extLst>
       <p:ext uri="{BB962C8B-B14F-4D97-AF65-F5344CB8AC3E}">
-        <p14:creationId xmlns:p14="http://schemas.microsoft.com/office/powerpoint/2010/main" val="3405671096"/>
+        <p14:creationId xmlns:p14="http://schemas.microsoft.com/office/powerpoint/2010/main" val="1545443517"/>
       </p:ext>
     </p:extLst>
   </p:cSld>
@@ -6808,7 +7049,7 @@
 </p:sld>
 </file>
 
-<file path=ppt/slides/slide5.xml><?xml version="1.0" encoding="utf-8"?>
+<file path=ppt/slides/slide4.xml><?xml version="1.0" encoding="utf-8"?>
 <p:sld xmlns:a="http://schemas.openxmlformats.org/drawingml/2006/main" xmlns:r="http://schemas.openxmlformats.org/officeDocument/2006/relationships" xmlns:p="http://schemas.openxmlformats.org/presentationml/2006/main">
   <p:cSld>
     <p:spTree>
@@ -6875,7 +7116,7 @@
 </p:sld>
 </file>
 
-<file path=ppt/slides/slide6.xml><?xml version="1.0" encoding="utf-8"?>
+<file path=ppt/slides/slide5.xml><?xml version="1.0" encoding="utf-8"?>
 <p:sld xmlns:a="http://schemas.openxmlformats.org/drawingml/2006/main" xmlns:r="http://schemas.openxmlformats.org/officeDocument/2006/relationships" xmlns:p="http://schemas.openxmlformats.org/presentationml/2006/main">
   <p:cSld>
     <p:spTree>
@@ -6942,7 +7183,7 @@
 </p:sld>
 </file>
 
-<file path=ppt/slides/slide7.xml><?xml version="1.0" encoding="utf-8"?>
+<file path=ppt/slides/slide6.xml><?xml version="1.0" encoding="utf-8"?>
 <p:sld xmlns:a="http://schemas.openxmlformats.org/drawingml/2006/main" xmlns:r="http://schemas.openxmlformats.org/officeDocument/2006/relationships" xmlns:p="http://schemas.openxmlformats.org/presentationml/2006/main">
   <p:cSld>
     <p:spTree>
@@ -7009,7 +7250,177 @@
 </p:sld>
 </file>
 
+<file path=ppt/slides/slide7.xml><?xml version="1.0" encoding="utf-8"?>
+<p:sld xmlns:a="http://schemas.openxmlformats.org/drawingml/2006/main" xmlns:r="http://schemas.openxmlformats.org/officeDocument/2006/relationships" xmlns:p="http://schemas.openxmlformats.org/presentationml/2006/main">
+  <p:cSld>
+    <p:spTree>
+      <p:nvGrpSpPr>
+        <p:cNvPr id="1" name=""/>
+        <p:cNvGrpSpPr/>
+        <p:nvPr/>
+      </p:nvGrpSpPr>
+      <p:grpSpPr>
+        <a:xfrm>
+          <a:off x="0" y="0"/>
+          <a:ext cx="0" cy="0"/>
+          <a:chOff x="0" y="0"/>
+          <a:chExt cx="0" cy="0"/>
+        </a:xfrm>
+      </p:grpSpPr>
+      <p:sp>
+        <p:nvSpPr>
+          <p:cNvPr id="2" name="Title 1"/>
+          <p:cNvSpPr>
+            <a:spLocks noGrp="1"/>
+          </p:cNvSpPr>
+          <p:nvPr>
+            <p:ph type="title"/>
+          </p:nvPr>
+        </p:nvSpPr>
+        <p:spPr/>
+        <p:txBody>
+          <a:bodyPr>
+            <a:normAutofit fontScale="90000"/>
+          </a:bodyPr>
+          <a:lstStyle/>
+          <a:p>
+            <a:r>
+              <a:rPr lang="en-US" dirty="0" smtClean="0"/>
+              <a:t>Summing Out A Variable From a Factor</a:t>
+            </a:r>
+            <a:endParaRPr lang="en-US" dirty="0"/>
+          </a:p>
+        </p:txBody>
+      </p:sp>
+      <p:pic>
+        <p:nvPicPr>
+          <p:cNvPr id="4" name="Picture 3"/>
+          <p:cNvPicPr>
+            <a:picLocks noChangeAspect="1"/>
+          </p:cNvPicPr>
+          <p:nvPr/>
+        </p:nvPicPr>
+        <p:blipFill>
+          <a:blip r:embed="rId2"/>
+          <a:stretch>
+            <a:fillRect/>
+          </a:stretch>
+        </p:blipFill>
+        <p:spPr>
+          <a:xfrm>
+            <a:off x="1025864" y="1417638"/>
+            <a:ext cx="6610078" cy="5137834"/>
+          </a:xfrm>
+          <a:prstGeom prst="rect">
+            <a:avLst/>
+          </a:prstGeom>
+        </p:spPr>
+      </p:pic>
+    </p:spTree>
+    <p:extLst>
+      <p:ext uri="{BB962C8B-B14F-4D97-AF65-F5344CB8AC3E}">
+        <p14:creationId xmlns:p14="http://schemas.microsoft.com/office/powerpoint/2010/main" val="3243515232"/>
+      </p:ext>
+    </p:extLst>
+  </p:cSld>
+  <p:clrMapOvr>
+    <a:masterClrMapping/>
+  </p:clrMapOvr>
+  <p:timing>
+    <p:tnLst>
+      <p:par>
+        <p:cTn xmlns:p14="http://schemas.microsoft.com/office/powerpoint/2010/main" id="1" dur="indefinite" restart="never" nodeType="tmRoot"/>
+      </p:par>
+    </p:tnLst>
+  </p:timing>
+</p:sld>
+</file>
+
 <file path=ppt/slides/slide8.xml><?xml version="1.0" encoding="utf-8"?>
+<p:sld xmlns:a="http://schemas.openxmlformats.org/drawingml/2006/main" xmlns:r="http://schemas.openxmlformats.org/officeDocument/2006/relationships" xmlns:p="http://schemas.openxmlformats.org/presentationml/2006/main">
+  <p:cSld>
+    <p:spTree>
+      <p:nvGrpSpPr>
+        <p:cNvPr id="1" name=""/>
+        <p:cNvGrpSpPr/>
+        <p:nvPr/>
+      </p:nvGrpSpPr>
+      <p:grpSpPr>
+        <a:xfrm>
+          <a:off x="0" y="0"/>
+          <a:ext cx="0" cy="0"/>
+          <a:chOff x="0" y="0"/>
+          <a:chExt cx="0" cy="0"/>
+        </a:xfrm>
+      </p:grpSpPr>
+      <p:sp>
+        <p:nvSpPr>
+          <p:cNvPr id="2" name="Title 1"/>
+          <p:cNvSpPr>
+            <a:spLocks noGrp="1"/>
+          </p:cNvSpPr>
+          <p:nvPr>
+            <p:ph type="title"/>
+          </p:nvPr>
+        </p:nvSpPr>
+        <p:spPr/>
+        <p:txBody>
+          <a:bodyPr/>
+          <a:lstStyle/>
+          <a:p>
+            <a:r>
+              <a:rPr lang="en-US" dirty="0" smtClean="0"/>
+              <a:t>Factor Product</a:t>
+            </a:r>
+            <a:endParaRPr lang="en-US" dirty="0"/>
+          </a:p>
+        </p:txBody>
+      </p:sp>
+      <p:pic>
+        <p:nvPicPr>
+          <p:cNvPr id="4" name="Picture 3"/>
+          <p:cNvPicPr>
+            <a:picLocks noChangeAspect="1"/>
+          </p:cNvPicPr>
+          <p:nvPr/>
+        </p:nvPicPr>
+        <p:blipFill>
+          <a:blip r:embed="rId2"/>
+          <a:stretch>
+            <a:fillRect/>
+          </a:stretch>
+        </p:blipFill>
+        <p:spPr>
+          <a:xfrm>
+            <a:off x="251114" y="1417639"/>
+            <a:ext cx="8143225" cy="4768806"/>
+          </a:xfrm>
+          <a:prstGeom prst="rect">
+            <a:avLst/>
+          </a:prstGeom>
+        </p:spPr>
+      </p:pic>
+    </p:spTree>
+    <p:extLst>
+      <p:ext uri="{BB962C8B-B14F-4D97-AF65-F5344CB8AC3E}">
+        <p14:creationId xmlns:p14="http://schemas.microsoft.com/office/powerpoint/2010/main" val="3143776191"/>
+      </p:ext>
+    </p:extLst>
+  </p:cSld>
+  <p:clrMapOvr>
+    <a:masterClrMapping/>
+  </p:clrMapOvr>
+  <p:timing>
+    <p:tnLst>
+      <p:par>
+        <p:cTn xmlns:p14="http://schemas.microsoft.com/office/powerpoint/2010/main" id="1" dur="indefinite" restart="never" nodeType="tmRoot"/>
+      </p:par>
+    </p:tnLst>
+  </p:timing>
+</p:sld>
+</file>
+
+<file path=ppt/slides/slide9.xml><?xml version="1.0" encoding="utf-8"?>
 <p:sld xmlns:a="http://schemas.openxmlformats.org/drawingml/2006/main" xmlns:r="http://schemas.openxmlformats.org/officeDocument/2006/relationships" xmlns:p="http://schemas.openxmlformats.org/presentationml/2006/main">
   <p:cSld>
     <p:spTree>
@@ -7060,174 +7471,6 @@
     <p:extLst>
       <p:ext uri="{BB962C8B-B14F-4D97-AF65-F5344CB8AC3E}">
         <p14:creationId xmlns:p14="http://schemas.microsoft.com/office/powerpoint/2010/main" val="3013703910"/>
-      </p:ext>
-    </p:extLst>
-  </p:cSld>
-  <p:clrMapOvr>
-    <a:masterClrMapping/>
-  </p:clrMapOvr>
-  <p:timing>
-    <p:tnLst>
-      <p:par>
-        <p:cTn xmlns:p14="http://schemas.microsoft.com/office/powerpoint/2010/main" id="1" dur="indefinite" restart="never" nodeType="tmRoot"/>
-      </p:par>
-    </p:tnLst>
-  </p:timing>
-</p:sld>
-</file>
-
-<file path=ppt/slides/slide9.xml><?xml version="1.0" encoding="utf-8"?>
-<p:sld xmlns:a="http://schemas.openxmlformats.org/drawingml/2006/main" xmlns:r="http://schemas.openxmlformats.org/officeDocument/2006/relationships" xmlns:p="http://schemas.openxmlformats.org/presentationml/2006/main">
-  <p:cSld>
-    <p:spTree>
-      <p:nvGrpSpPr>
-        <p:cNvPr id="1" name=""/>
-        <p:cNvGrpSpPr/>
-        <p:nvPr/>
-      </p:nvGrpSpPr>
-      <p:grpSpPr>
-        <a:xfrm>
-          <a:off x="0" y="0"/>
-          <a:ext cx="0" cy="0"/>
-          <a:chOff x="0" y="0"/>
-          <a:chExt cx="0" cy="0"/>
-        </a:xfrm>
-      </p:grpSpPr>
-      <p:sp>
-        <p:nvSpPr>
-          <p:cNvPr id="2" name="Title 1"/>
-          <p:cNvSpPr>
-            <a:spLocks noGrp="1"/>
-          </p:cNvSpPr>
-          <p:nvPr>
-            <p:ph type="title"/>
-          </p:nvPr>
-        </p:nvSpPr>
-        <p:spPr/>
-        <p:txBody>
-          <a:bodyPr/>
-          <a:lstStyle/>
-          <a:p>
-            <a:r>
-              <a:rPr lang="en-US" dirty="0" smtClean="0"/>
-              <a:t>Belief Propagation</a:t>
-            </a:r>
-            <a:endParaRPr lang="en-US" dirty="0"/>
-          </a:p>
-        </p:txBody>
-      </p:sp>
-      <p:sp>
-        <p:nvSpPr>
-          <p:cNvPr id="3" name="Content Placeholder 2"/>
-          <p:cNvSpPr>
-            <a:spLocks noGrp="1"/>
-          </p:cNvSpPr>
-          <p:nvPr>
-            <p:ph idx="1"/>
-          </p:nvPr>
-        </p:nvSpPr>
-        <p:spPr>
-          <a:xfrm>
-            <a:off x="457200" y="1600200"/>
-            <a:ext cx="8229600" cy="4976968"/>
-          </a:xfrm>
-        </p:spPr>
-        <p:txBody>
-          <a:bodyPr>
-            <a:normAutofit lnSpcReduction="10000"/>
-          </a:bodyPr>
-          <a:lstStyle/>
-          <a:p>
-            <a:r>
-              <a:rPr lang="en-US" dirty="0" smtClean="0"/>
-              <a:t>Previously: Forward-backward algorithm</a:t>
-            </a:r>
-          </a:p>
-          <a:p>
-            <a:pPr lvl="1"/>
-            <a:r>
-              <a:rPr lang="en-US" dirty="0" smtClean="0"/>
-              <a:t>Exactly computes posterior </a:t>
-            </a:r>
-            <a:r>
-              <a:rPr lang="en-US" dirty="0" err="1" smtClean="0"/>
-              <a:t>marginals</a:t>
-            </a:r>
-            <a:r>
-              <a:rPr lang="en-US" dirty="0"/>
-              <a:t> </a:t>
-            </a:r>
-            <a:r>
-              <a:rPr lang="en-US" dirty="0" smtClean="0"/>
-              <a:t>P(</a:t>
-            </a:r>
-            <a:r>
-              <a:rPr lang="en-US" dirty="0" err="1" smtClean="0"/>
-              <a:t>h_i|V</a:t>
-            </a:r>
-            <a:r>
-              <a:rPr lang="en-US" dirty="0" smtClean="0"/>
-              <a:t>) for chain-structured graphical models (e.g. HMMs)</a:t>
-            </a:r>
-          </a:p>
-          <a:p>
-            <a:pPr lvl="2"/>
-            <a:r>
-              <a:rPr lang="en-US" dirty="0" smtClean="0"/>
-              <a:t>Where V are visible variables</a:t>
-            </a:r>
-          </a:p>
-          <a:p>
-            <a:pPr lvl="2"/>
-            <a:r>
-              <a:rPr lang="en-US" dirty="0" err="1" smtClean="0"/>
-              <a:t>h_i</a:t>
-            </a:r>
-            <a:r>
-              <a:rPr lang="en-US" dirty="0" smtClean="0"/>
-              <a:t> is the hidden variable at position I</a:t>
-            </a:r>
-          </a:p>
-          <a:p>
-            <a:r>
-              <a:rPr lang="en-US" dirty="0" smtClean="0"/>
-              <a:t>Now we will generalize this to arbitrary graphs</a:t>
-            </a:r>
-          </a:p>
-          <a:p>
-            <a:pPr lvl="1"/>
-            <a:r>
-              <a:rPr lang="en-US" dirty="0" smtClean="0"/>
-              <a:t>Bayesian and Markov Networks</a:t>
-            </a:r>
-          </a:p>
-          <a:p>
-            <a:pPr lvl="1"/>
-            <a:r>
-              <a:rPr lang="en-US" dirty="0" smtClean="0"/>
-              <a:t>Arbitrary graph structures (not just chains)</a:t>
-            </a:r>
-          </a:p>
-          <a:p>
-            <a:r>
-              <a:rPr lang="en-US" dirty="0" smtClean="0"/>
-              <a:t>We’ll just describe the algorithms and omit derivations (K+F book has good coverage)</a:t>
-            </a:r>
-          </a:p>
-          <a:p>
-            <a:pPr lvl="1"/>
-            <a:endParaRPr lang="en-US" dirty="0" smtClean="0"/>
-          </a:p>
-          <a:p>
-            <a:pPr lvl="1"/>
-            <a:endParaRPr lang="en-US" dirty="0" smtClean="0"/>
-          </a:p>
-        </p:txBody>
-      </p:sp>
-    </p:spTree>
-    <p:extLst>
-      <p:ext uri="{BB962C8B-B14F-4D97-AF65-F5344CB8AC3E}">
-        <p14:creationId xmlns:p14="http://schemas.microsoft.com/office/powerpoint/2010/main" val="1370820955"/>
       </p:ext>
     </p:extLst>
   </p:cSld>
